--- a/docs/diagrams/EditSyllSequenceDiagram.pptx
+++ b/docs/diagrams/EditSyllSequenceDiagram.pptx
@@ -107,6 +107,11 @@
       </a:defRPr>
     </a:lvl9pPr>
   </p:defaultTextStyle>
+  <p:extLst>
+    <p:ext uri="{EFAFB233-063F-42B5-8137-9DF3F51BA10A}">
+      <p15:sldGuideLst xmlns:p15="http://schemas.microsoft.com/office/powerpoint/2012/main"/>
+    </p:ext>
+  </p:extLst>
 </p:presentation>
 </file>
 
@@ -192,7 +197,7 @@
           <a:p>
             <a:fld id="{D385692B-7AA2-4E91-AC74-9014449C7F41}" type="datetimeFigureOut">
               <a:rPr lang="en-US" smtClean="0"/>
-              <a:t>10/25/2018</a:t>
+              <a:t>11/10/2018</a:t>
             </a:fld>
             <a:endParaRPr lang="en-US"/>
           </a:p>
@@ -694,7 +699,7 @@
           <a:p>
             <a:fld id="{C5F41532-C99E-4DE5-A69E-7657A0D7E045}" type="datetimeFigureOut">
               <a:rPr lang="en-US" smtClean="0"/>
-              <a:t>10/25/2018</a:t>
+              <a:t>11/10/2018</a:t>
             </a:fld>
             <a:endParaRPr lang="en-US"/>
           </a:p>
@@ -892,7 +897,7 @@
           <a:p>
             <a:fld id="{C5F41532-C99E-4DE5-A69E-7657A0D7E045}" type="datetimeFigureOut">
               <a:rPr lang="en-US" smtClean="0"/>
-              <a:t>10/25/2018</a:t>
+              <a:t>11/10/2018</a:t>
             </a:fld>
             <a:endParaRPr lang="en-US"/>
           </a:p>
@@ -1100,7 +1105,7 @@
           <a:p>
             <a:fld id="{C5F41532-C99E-4DE5-A69E-7657A0D7E045}" type="datetimeFigureOut">
               <a:rPr lang="en-US" smtClean="0"/>
-              <a:t>10/25/2018</a:t>
+              <a:t>11/10/2018</a:t>
             </a:fld>
             <a:endParaRPr lang="en-US"/>
           </a:p>
@@ -1298,7 +1303,7 @@
           <a:p>
             <a:fld id="{C5F41532-C99E-4DE5-A69E-7657A0D7E045}" type="datetimeFigureOut">
               <a:rPr lang="en-US" smtClean="0"/>
-              <a:t>10/25/2018</a:t>
+              <a:t>11/10/2018</a:t>
             </a:fld>
             <a:endParaRPr lang="en-US"/>
           </a:p>
@@ -1573,7 +1578,7 @@
           <a:p>
             <a:fld id="{C5F41532-C99E-4DE5-A69E-7657A0D7E045}" type="datetimeFigureOut">
               <a:rPr lang="en-US" smtClean="0"/>
-              <a:t>10/25/2018</a:t>
+              <a:t>11/10/2018</a:t>
             </a:fld>
             <a:endParaRPr lang="en-US"/>
           </a:p>
@@ -1838,7 +1843,7 @@
           <a:p>
             <a:fld id="{C5F41532-C99E-4DE5-A69E-7657A0D7E045}" type="datetimeFigureOut">
               <a:rPr lang="en-US" smtClean="0"/>
-              <a:t>10/25/2018</a:t>
+              <a:t>11/10/2018</a:t>
             </a:fld>
             <a:endParaRPr lang="en-US"/>
           </a:p>
@@ -2250,7 +2255,7 @@
           <a:p>
             <a:fld id="{C5F41532-C99E-4DE5-A69E-7657A0D7E045}" type="datetimeFigureOut">
               <a:rPr lang="en-US" smtClean="0"/>
-              <a:t>10/25/2018</a:t>
+              <a:t>11/10/2018</a:t>
             </a:fld>
             <a:endParaRPr lang="en-US"/>
           </a:p>
@@ -2391,7 +2396,7 @@
           <a:p>
             <a:fld id="{C5F41532-C99E-4DE5-A69E-7657A0D7E045}" type="datetimeFigureOut">
               <a:rPr lang="en-US" smtClean="0"/>
-              <a:t>10/25/2018</a:t>
+              <a:t>11/10/2018</a:t>
             </a:fld>
             <a:endParaRPr lang="en-US"/>
           </a:p>
@@ -2504,7 +2509,7 @@
           <a:p>
             <a:fld id="{C5F41532-C99E-4DE5-A69E-7657A0D7E045}" type="datetimeFigureOut">
               <a:rPr lang="en-US" smtClean="0"/>
-              <a:t>10/25/2018</a:t>
+              <a:t>11/10/2018</a:t>
             </a:fld>
             <a:endParaRPr lang="en-US"/>
           </a:p>
@@ -2815,7 +2820,7 @@
           <a:p>
             <a:fld id="{C5F41532-C99E-4DE5-A69E-7657A0D7E045}" type="datetimeFigureOut">
               <a:rPr lang="en-US" smtClean="0"/>
-              <a:t>10/25/2018</a:t>
+              <a:t>11/10/2018</a:t>
             </a:fld>
             <a:endParaRPr lang="en-US"/>
           </a:p>
@@ -3103,7 +3108,7 @@
           <a:p>
             <a:fld id="{C5F41532-C99E-4DE5-A69E-7657A0D7E045}" type="datetimeFigureOut">
               <a:rPr lang="en-US" smtClean="0"/>
-              <a:t>10/25/2018</a:t>
+              <a:t>11/10/2018</a:t>
             </a:fld>
             <a:endParaRPr lang="en-US"/>
           </a:p>
@@ -3344,7 +3349,7 @@
           <a:p>
             <a:fld id="{C5F41532-C99E-4DE5-A69E-7657A0D7E045}" type="datetimeFigureOut">
               <a:rPr lang="en-US" smtClean="0"/>
-              <a:t>10/25/2018</a:t>
+              <a:t>11/10/2018</a:t>
             </a:fld>
             <a:endParaRPr lang="en-US"/>
           </a:p>
@@ -4041,8 +4046,8 @@
         </p:nvSpPr>
         <p:spPr>
           <a:xfrm>
-            <a:off x="3657600" y="1022005"/>
-            <a:ext cx="1219200" cy="467684"/>
+            <a:off x="3657599" y="1022005"/>
+            <a:ext cx="1264609" cy="467684"/>
           </a:xfrm>
           <a:prstGeom prst="rect">
             <a:avLst/>
@@ -4082,18 +4087,15 @@
                   <a:schemeClr val="bg1"/>
                 </a:solidFill>
               </a:rPr>
-              <a:t>:Address</a:t>
-            </a:r>
-          </a:p>
-          <a:p>
-            <a:pPr algn="ctr"/>
+              <a:t>:</a:t>
+            </a:r>
             <a:r>
               <a:rPr lang="en-US" sz="1600" dirty="0" err="1">
                 <a:solidFill>
                   <a:schemeClr val="bg1"/>
                 </a:solidFill>
               </a:rPr>
-              <a:t>BookParser</a:t>
+              <a:t>TutorHelperParser</a:t>
             </a:r>
             <a:endParaRPr lang="en-SG" sz="1600" dirty="0">
               <a:solidFill>
@@ -4338,7 +4340,23 @@
                   <a:srgbClr val="0070C0"/>
                 </a:solidFill>
               </a:rPr>
-              <a:t> Vectors”)</a:t>
+              <a:t> </a:t>
+            </a:r>
+            <a:r>
+              <a:rPr lang="en-US" sz="1100" dirty="0" err="1">
+                <a:solidFill>
+                  <a:srgbClr val="0070C0"/>
+                </a:solidFill>
+              </a:rPr>
+              <a:t>sy</a:t>
+            </a:r>
+            <a:r>
+              <a:rPr lang="en-US" sz="1100" dirty="0">
+                <a:solidFill>
+                  <a:srgbClr val="0070C0"/>
+                </a:solidFill>
+              </a:rPr>
+              <a:t>/Vectors”)</a:t>
             </a:r>
           </a:p>
         </p:txBody>
@@ -4589,7 +4607,15 @@
             </a:r>
             <a:r>
               <a:rPr lang="en-US" sz="1100" dirty="0"/>
-              <a:t> 1 1 1 Vectors”)</a:t>
+              <a:t> 1 1 1 </a:t>
+            </a:r>
+            <a:r>
+              <a:rPr lang="en-US" sz="1100" dirty="0" err="1"/>
+              <a:t>sy</a:t>
+            </a:r>
+            <a:r>
+              <a:rPr lang="en-US" sz="1100" dirty="0"/>
+              <a:t>/Vectors”)</a:t>
             </a:r>
           </a:p>
         </p:txBody>
@@ -5942,7 +5968,7 @@
                   <a:srgbClr val="7030A0"/>
                 </a:solidFill>
               </a:rPr>
-              <a:t>updatePerson</a:t>
+              <a:t>updateStudent</a:t>
             </a:r>
             <a:r>
               <a:rPr lang="en-US" sz="1000" dirty="0">
